--- a/3D/GCode-Notes.pptx
+++ b/3D/GCode-Notes.pptx
@@ -11943,6 +11943,20 @@
             <a:r>
               <a:rPr lang="en-US" altLang="zh-CN"/>
               <a:t>https://all3dp.com/2/gcode-viewer-3d-printer-simulator-best-tools/</a:t>
+            </a:r>
+            <a:endParaRPr lang="en-US" altLang="zh-CN"/>
+          </a:p>
+          <a:p>
+            <a:r>
+              <a:rPr lang="en-US" altLang="zh-CN"/>
+              <a:t>https://gcodeanalyser.com/</a:t>
+            </a:r>
+            <a:endParaRPr lang="en-US" altLang="zh-CN"/>
+          </a:p>
+          <a:p>
+            <a:r>
+              <a:rPr lang="en-US" altLang="zh-CN"/>
+              <a:t>https://ncviewer.com/</a:t>
             </a:r>
             <a:endParaRPr lang="en-US" altLang="zh-CN"/>
           </a:p>
